--- a/Submissions/Final Project/DavidKwonHanLam_FinalProjectPPT.pptx
+++ b/Submissions/Final Project/DavidKwonHanLam_FinalProjectPPT.pptx
@@ -7,8 +7,14 @@
   <p:sldIdLst>
     <p:sldId id="256" r:id="rId2"/>
     <p:sldId id="257" r:id="rId3"/>
-    <p:sldId id="258" r:id="rId4"/>
-    <p:sldId id="259" r:id="rId5"/>
+    <p:sldId id="264" r:id="rId4"/>
+    <p:sldId id="258" r:id="rId5"/>
+    <p:sldId id="259" r:id="rId6"/>
+    <p:sldId id="260" r:id="rId7"/>
+    <p:sldId id="263" r:id="rId8"/>
+    <p:sldId id="261" r:id="rId9"/>
+    <p:sldId id="262" r:id="rId10"/>
+    <p:sldId id="265" r:id="rId11"/>
   </p:sldIdLst>
   <p:sldSz cx="12192000" cy="6858000"/>
   <p:notesSz cx="6858000" cy="9144000"/>
@@ -107,6 +113,11 @@
       </a:defRPr>
     </a:lvl9pPr>
   </p:defaultTextStyle>
+  <p:extLst>
+    <p:ext uri="{EFAFB233-063F-42B5-8137-9DF3F51BA10A}">
+      <p15:sldGuideLst xmlns:p15="http://schemas.microsoft.com/office/powerpoint/2012/main"/>
+    </p:ext>
+  </p:extLst>
 </p:presentation>
 </file>
 
@@ -3890,16 +3901,14 @@
         </p:nvSpPr>
         <p:spPr/>
         <p:txBody>
-          <a:bodyPr/>
+          <a:bodyPr>
+            <a:normAutofit/>
+          </a:bodyPr>
           <a:lstStyle/>
           <a:p>
             <a:r>
-              <a:rPr lang="en-US"/>
-              <a:t>David Kwon-Han </a:t>
-            </a:r>
-            <a:r>
               <a:rPr lang="en-US" dirty="0"/>
-              <a:t>Lam</a:t>
+              <a:t>David Kwon-Han Lam</a:t>
             </a:r>
           </a:p>
           <a:p>
@@ -3914,6 +3923,89 @@
     <p:extLst>
       <p:ext uri="{BB962C8B-B14F-4D97-AF65-F5344CB8AC3E}">
         <p14:creationId xmlns:p14="http://schemas.microsoft.com/office/powerpoint/2010/main" val="1609022105"/>
+      </p:ext>
+    </p:extLst>
+  </p:cSld>
+  <p:clrMapOvr>
+    <a:masterClrMapping/>
+  </p:clrMapOvr>
+</p:sld>
+</file>
+
+<file path=ppt/slides/slide10.xml><?xml version="1.0" encoding="utf-8"?>
+<p:sld xmlns:a="http://schemas.openxmlformats.org/drawingml/2006/main" xmlns:r="http://schemas.openxmlformats.org/officeDocument/2006/relationships" xmlns:p="http://schemas.openxmlformats.org/presentationml/2006/main">
+  <p:cSld>
+    <p:spTree>
+      <p:nvGrpSpPr>
+        <p:cNvPr id="1" name=""/>
+        <p:cNvGrpSpPr/>
+        <p:nvPr/>
+      </p:nvGrpSpPr>
+      <p:grpSpPr>
+        <a:xfrm>
+          <a:off x="0" y="0"/>
+          <a:ext cx="0" cy="0"/>
+          <a:chOff x="0" y="0"/>
+          <a:chExt cx="0" cy="0"/>
+        </a:xfrm>
+      </p:grpSpPr>
+      <p:sp>
+        <p:nvSpPr>
+          <p:cNvPr id="2" name="Title 1">
+            <a:extLst>
+              <a:ext uri="{FF2B5EF4-FFF2-40B4-BE49-F238E27FC236}">
+                <a16:creationId xmlns:a16="http://schemas.microsoft.com/office/drawing/2014/main" id="{0B2F0FE7-5D0E-4416-A282-E1F8C679E644}"/>
+              </a:ext>
+            </a:extLst>
+          </p:cNvPr>
+          <p:cNvSpPr>
+            <a:spLocks noGrp="1"/>
+          </p:cNvSpPr>
+          <p:nvPr>
+            <p:ph type="title"/>
+          </p:nvPr>
+        </p:nvSpPr>
+        <p:spPr/>
+        <p:txBody>
+          <a:bodyPr/>
+          <a:lstStyle/>
+          <a:p>
+            <a:r>
+              <a:rPr lang="en-US" dirty="0"/>
+              <a:t>Work Cited</a:t>
+            </a:r>
+          </a:p>
+        </p:txBody>
+      </p:sp>
+      <p:sp>
+        <p:nvSpPr>
+          <p:cNvPr id="3" name="Content Placeholder 2">
+            <a:extLst>
+              <a:ext uri="{FF2B5EF4-FFF2-40B4-BE49-F238E27FC236}">
+                <a16:creationId xmlns:a16="http://schemas.microsoft.com/office/drawing/2014/main" id="{A08DAE6D-3BAF-4F7B-8C78-10AB8FC0CB39}"/>
+              </a:ext>
+            </a:extLst>
+          </p:cNvPr>
+          <p:cNvSpPr>
+            <a:spLocks noGrp="1"/>
+          </p:cNvSpPr>
+          <p:nvPr>
+            <p:ph idx="1"/>
+          </p:nvPr>
+        </p:nvSpPr>
+        <p:spPr/>
+        <p:txBody>
+          <a:bodyPr/>
+          <a:lstStyle/>
+          <a:p>
+            <a:endParaRPr lang="en-US" dirty="0"/>
+          </a:p>
+        </p:txBody>
+      </p:sp>
+    </p:spTree>
+    <p:extLst>
+      <p:ext uri="{BB962C8B-B14F-4D97-AF65-F5344CB8AC3E}">
+        <p14:creationId xmlns:p14="http://schemas.microsoft.com/office/powerpoint/2010/main" val="3494604755"/>
       </p:ext>
     </p:extLst>
   </p:cSld>
@@ -3961,7 +4053,10 @@
           <a:bodyPr/>
           <a:lstStyle/>
           <a:p>
-            <a:endParaRPr lang="en-US"/>
+            <a:r>
+              <a:rPr lang="en-US" dirty="0"/>
+              <a:t>Intro</a:t>
+            </a:r>
           </a:p>
         </p:txBody>
       </p:sp>
@@ -3986,7 +4081,7 @@
           <a:bodyPr/>
           <a:lstStyle/>
           <a:p>
-            <a:endParaRPr lang="en-US"/>
+            <a:endParaRPr lang="en-US" dirty="0"/>
           </a:p>
         </p:txBody>
       </p:sp>
@@ -4025,7 +4120,7 @@
           <p:cNvPr id="2" name="Title 1">
             <a:extLst>
               <a:ext uri="{FF2B5EF4-FFF2-40B4-BE49-F238E27FC236}">
-                <a16:creationId xmlns:a16="http://schemas.microsoft.com/office/drawing/2014/main" id="{807926DD-5B72-4E06-8DB4-0432240AFA48}"/>
+                <a16:creationId xmlns:a16="http://schemas.microsoft.com/office/drawing/2014/main" id="{32E441FF-27D0-42E4-9F3D-2AADFE41E6AE}"/>
               </a:ext>
             </a:extLst>
           </p:cNvPr>
@@ -4041,7 +4136,10 @@
           <a:bodyPr/>
           <a:lstStyle/>
           <a:p>
-            <a:endParaRPr lang="en-US"/>
+            <a:r>
+              <a:rPr lang="en-US" dirty="0"/>
+              <a:t>Intro Context</a:t>
+            </a:r>
           </a:p>
         </p:txBody>
       </p:sp>
@@ -4050,7 +4148,7 @@
           <p:cNvPr id="3" name="Content Placeholder 2">
             <a:extLst>
               <a:ext uri="{FF2B5EF4-FFF2-40B4-BE49-F238E27FC236}">
-                <a16:creationId xmlns:a16="http://schemas.microsoft.com/office/drawing/2014/main" id="{AE90C432-25AB-447E-96D7-75AB080656E0}"/>
+                <a16:creationId xmlns:a16="http://schemas.microsoft.com/office/drawing/2014/main" id="{361BEF23-341E-49DA-B187-F31DF374F649}"/>
               </a:ext>
             </a:extLst>
           </p:cNvPr>
@@ -4066,14 +4164,14 @@
           <a:bodyPr/>
           <a:lstStyle/>
           <a:p>
-            <a:endParaRPr lang="en-US"/>
+            <a:endParaRPr lang="en-US" dirty="0"/>
           </a:p>
         </p:txBody>
       </p:sp>
     </p:spTree>
     <p:extLst>
       <p:ext uri="{BB962C8B-B14F-4D97-AF65-F5344CB8AC3E}">
-        <p14:creationId xmlns:p14="http://schemas.microsoft.com/office/powerpoint/2010/main" val="206284447"/>
+        <p14:creationId xmlns:p14="http://schemas.microsoft.com/office/powerpoint/2010/main" val="3560547530"/>
       </p:ext>
     </p:extLst>
   </p:cSld>
@@ -4105,6 +4203,89 @@
           <p:cNvPr id="2" name="Title 1">
             <a:extLst>
               <a:ext uri="{FF2B5EF4-FFF2-40B4-BE49-F238E27FC236}">
+                <a16:creationId xmlns:a16="http://schemas.microsoft.com/office/drawing/2014/main" id="{807926DD-5B72-4E06-8DB4-0432240AFA48}"/>
+              </a:ext>
+            </a:extLst>
+          </p:cNvPr>
+          <p:cNvSpPr>
+            <a:spLocks noGrp="1"/>
+          </p:cNvSpPr>
+          <p:nvPr>
+            <p:ph type="title"/>
+          </p:nvPr>
+        </p:nvSpPr>
+        <p:spPr/>
+        <p:txBody>
+          <a:bodyPr/>
+          <a:lstStyle/>
+          <a:p>
+            <a:r>
+              <a:rPr lang="en-US" dirty="0"/>
+              <a:t>Literature Review</a:t>
+            </a:r>
+          </a:p>
+        </p:txBody>
+      </p:sp>
+      <p:sp>
+        <p:nvSpPr>
+          <p:cNvPr id="3" name="Content Placeholder 2">
+            <a:extLst>
+              <a:ext uri="{FF2B5EF4-FFF2-40B4-BE49-F238E27FC236}">
+                <a16:creationId xmlns:a16="http://schemas.microsoft.com/office/drawing/2014/main" id="{AE90C432-25AB-447E-96D7-75AB080656E0}"/>
+              </a:ext>
+            </a:extLst>
+          </p:cNvPr>
+          <p:cNvSpPr>
+            <a:spLocks noGrp="1"/>
+          </p:cNvSpPr>
+          <p:nvPr>
+            <p:ph idx="1"/>
+          </p:nvPr>
+        </p:nvSpPr>
+        <p:spPr/>
+        <p:txBody>
+          <a:bodyPr/>
+          <a:lstStyle/>
+          <a:p>
+            <a:endParaRPr lang="en-US"/>
+          </a:p>
+        </p:txBody>
+      </p:sp>
+    </p:spTree>
+    <p:extLst>
+      <p:ext uri="{BB962C8B-B14F-4D97-AF65-F5344CB8AC3E}">
+        <p14:creationId xmlns:p14="http://schemas.microsoft.com/office/powerpoint/2010/main" val="206284447"/>
+      </p:ext>
+    </p:extLst>
+  </p:cSld>
+  <p:clrMapOvr>
+    <a:masterClrMapping/>
+  </p:clrMapOvr>
+</p:sld>
+</file>
+
+<file path=ppt/slides/slide5.xml><?xml version="1.0" encoding="utf-8"?>
+<p:sld xmlns:a="http://schemas.openxmlformats.org/drawingml/2006/main" xmlns:r="http://schemas.openxmlformats.org/officeDocument/2006/relationships" xmlns:p="http://schemas.openxmlformats.org/presentationml/2006/main">
+  <p:cSld>
+    <p:spTree>
+      <p:nvGrpSpPr>
+        <p:cNvPr id="1" name=""/>
+        <p:cNvGrpSpPr/>
+        <p:nvPr/>
+      </p:nvGrpSpPr>
+      <p:grpSpPr>
+        <a:xfrm>
+          <a:off x="0" y="0"/>
+          <a:ext cx="0" cy="0"/>
+          <a:chOff x="0" y="0"/>
+          <a:chExt cx="0" cy="0"/>
+        </a:xfrm>
+      </p:grpSpPr>
+      <p:sp>
+        <p:nvSpPr>
+          <p:cNvPr id="2" name="Title 1">
+            <a:extLst>
+              <a:ext uri="{FF2B5EF4-FFF2-40B4-BE49-F238E27FC236}">
                 <a16:creationId xmlns:a16="http://schemas.microsoft.com/office/drawing/2014/main" id="{BF3A968E-F274-41AC-B76D-44511A7A731D}"/>
               </a:ext>
             </a:extLst>
@@ -4121,7 +4302,10 @@
           <a:bodyPr/>
           <a:lstStyle/>
           <a:p>
-            <a:endParaRPr lang="en-US"/>
+            <a:r>
+              <a:rPr lang="en-US" dirty="0"/>
+              <a:t>Data Set</a:t>
+            </a:r>
           </a:p>
         </p:txBody>
       </p:sp>
@@ -4154,6 +4338,338 @@
     <p:extLst>
       <p:ext uri="{BB962C8B-B14F-4D97-AF65-F5344CB8AC3E}">
         <p14:creationId xmlns:p14="http://schemas.microsoft.com/office/powerpoint/2010/main" val="3464730787"/>
+      </p:ext>
+    </p:extLst>
+  </p:cSld>
+  <p:clrMapOvr>
+    <a:masterClrMapping/>
+  </p:clrMapOvr>
+</p:sld>
+</file>
+
+<file path=ppt/slides/slide6.xml><?xml version="1.0" encoding="utf-8"?>
+<p:sld xmlns:a="http://schemas.openxmlformats.org/drawingml/2006/main" xmlns:r="http://schemas.openxmlformats.org/officeDocument/2006/relationships" xmlns:p="http://schemas.openxmlformats.org/presentationml/2006/main">
+  <p:cSld>
+    <p:spTree>
+      <p:nvGrpSpPr>
+        <p:cNvPr id="1" name=""/>
+        <p:cNvGrpSpPr/>
+        <p:nvPr/>
+      </p:nvGrpSpPr>
+      <p:grpSpPr>
+        <a:xfrm>
+          <a:off x="0" y="0"/>
+          <a:ext cx="0" cy="0"/>
+          <a:chOff x="0" y="0"/>
+          <a:chExt cx="0" cy="0"/>
+        </a:xfrm>
+      </p:grpSpPr>
+      <p:sp>
+        <p:nvSpPr>
+          <p:cNvPr id="2" name="Title 1">
+            <a:extLst>
+              <a:ext uri="{FF2B5EF4-FFF2-40B4-BE49-F238E27FC236}">
+                <a16:creationId xmlns:a16="http://schemas.microsoft.com/office/drawing/2014/main" id="{B51DF962-9D1E-4E02-89FC-2198B7BE4337}"/>
+              </a:ext>
+            </a:extLst>
+          </p:cNvPr>
+          <p:cNvSpPr>
+            <a:spLocks noGrp="1"/>
+          </p:cNvSpPr>
+          <p:nvPr>
+            <p:ph type="title"/>
+          </p:nvPr>
+        </p:nvSpPr>
+        <p:spPr/>
+        <p:txBody>
+          <a:bodyPr/>
+          <a:lstStyle/>
+          <a:p>
+            <a:r>
+              <a:rPr lang="en-US" dirty="0"/>
+              <a:t>Approach</a:t>
+            </a:r>
+          </a:p>
+        </p:txBody>
+      </p:sp>
+      <p:sp>
+        <p:nvSpPr>
+          <p:cNvPr id="3" name="Content Placeholder 2">
+            <a:extLst>
+              <a:ext uri="{FF2B5EF4-FFF2-40B4-BE49-F238E27FC236}">
+                <a16:creationId xmlns:a16="http://schemas.microsoft.com/office/drawing/2014/main" id="{915FEF1B-93EE-410A-9266-783CF0B77D68}"/>
+              </a:ext>
+            </a:extLst>
+          </p:cNvPr>
+          <p:cNvSpPr>
+            <a:spLocks noGrp="1"/>
+          </p:cNvSpPr>
+          <p:nvPr>
+            <p:ph idx="1"/>
+          </p:nvPr>
+        </p:nvSpPr>
+        <p:spPr/>
+        <p:txBody>
+          <a:bodyPr/>
+          <a:lstStyle/>
+          <a:p>
+            <a:endParaRPr lang="en-US"/>
+          </a:p>
+        </p:txBody>
+      </p:sp>
+    </p:spTree>
+    <p:extLst>
+      <p:ext uri="{BB962C8B-B14F-4D97-AF65-F5344CB8AC3E}">
+        <p14:creationId xmlns:p14="http://schemas.microsoft.com/office/powerpoint/2010/main" val="2837690224"/>
+      </p:ext>
+    </p:extLst>
+  </p:cSld>
+  <p:clrMapOvr>
+    <a:masterClrMapping/>
+  </p:clrMapOvr>
+</p:sld>
+</file>
+
+<file path=ppt/slides/slide7.xml><?xml version="1.0" encoding="utf-8"?>
+<p:sld xmlns:a="http://schemas.openxmlformats.org/drawingml/2006/main" xmlns:r="http://schemas.openxmlformats.org/officeDocument/2006/relationships" xmlns:p="http://schemas.openxmlformats.org/presentationml/2006/main">
+  <p:cSld>
+    <p:spTree>
+      <p:nvGrpSpPr>
+        <p:cNvPr id="1" name=""/>
+        <p:cNvGrpSpPr/>
+        <p:nvPr/>
+      </p:nvGrpSpPr>
+      <p:grpSpPr>
+        <a:xfrm>
+          <a:off x="0" y="0"/>
+          <a:ext cx="0" cy="0"/>
+          <a:chOff x="0" y="0"/>
+          <a:chExt cx="0" cy="0"/>
+        </a:xfrm>
+      </p:grpSpPr>
+      <p:sp>
+        <p:nvSpPr>
+          <p:cNvPr id="2" name="Title 1">
+            <a:extLst>
+              <a:ext uri="{FF2B5EF4-FFF2-40B4-BE49-F238E27FC236}">
+                <a16:creationId xmlns:a16="http://schemas.microsoft.com/office/drawing/2014/main" id="{EA937B4D-6FD6-4BC7-AE20-CFFDA00176A4}"/>
+              </a:ext>
+            </a:extLst>
+          </p:cNvPr>
+          <p:cNvSpPr>
+            <a:spLocks noGrp="1"/>
+          </p:cNvSpPr>
+          <p:nvPr>
+            <p:ph type="title"/>
+          </p:nvPr>
+        </p:nvSpPr>
+        <p:spPr/>
+        <p:txBody>
+          <a:bodyPr/>
+          <a:lstStyle/>
+          <a:p>
+            <a:r>
+              <a:rPr lang="en-US" dirty="0"/>
+              <a:t>Challenges</a:t>
+            </a:r>
+          </a:p>
+        </p:txBody>
+      </p:sp>
+      <p:sp>
+        <p:nvSpPr>
+          <p:cNvPr id="3" name="Content Placeholder 2">
+            <a:extLst>
+              <a:ext uri="{FF2B5EF4-FFF2-40B4-BE49-F238E27FC236}">
+                <a16:creationId xmlns:a16="http://schemas.microsoft.com/office/drawing/2014/main" id="{23BB1713-D6AB-4673-B1F7-07C0814076EC}"/>
+              </a:ext>
+            </a:extLst>
+          </p:cNvPr>
+          <p:cNvSpPr>
+            <a:spLocks noGrp="1"/>
+          </p:cNvSpPr>
+          <p:nvPr>
+            <p:ph idx="1"/>
+          </p:nvPr>
+        </p:nvSpPr>
+        <p:spPr/>
+        <p:txBody>
+          <a:bodyPr/>
+          <a:lstStyle/>
+          <a:p>
+            <a:endParaRPr lang="en-US"/>
+          </a:p>
+        </p:txBody>
+      </p:sp>
+    </p:spTree>
+    <p:extLst>
+      <p:ext uri="{BB962C8B-B14F-4D97-AF65-F5344CB8AC3E}">
+        <p14:creationId xmlns:p14="http://schemas.microsoft.com/office/powerpoint/2010/main" val="350392171"/>
+      </p:ext>
+    </p:extLst>
+  </p:cSld>
+  <p:clrMapOvr>
+    <a:masterClrMapping/>
+  </p:clrMapOvr>
+</p:sld>
+</file>
+
+<file path=ppt/slides/slide8.xml><?xml version="1.0" encoding="utf-8"?>
+<p:sld xmlns:a="http://schemas.openxmlformats.org/drawingml/2006/main" xmlns:r="http://schemas.openxmlformats.org/officeDocument/2006/relationships" xmlns:p="http://schemas.openxmlformats.org/presentationml/2006/main">
+  <p:cSld>
+    <p:spTree>
+      <p:nvGrpSpPr>
+        <p:cNvPr id="1" name=""/>
+        <p:cNvGrpSpPr/>
+        <p:nvPr/>
+      </p:nvGrpSpPr>
+      <p:grpSpPr>
+        <a:xfrm>
+          <a:off x="0" y="0"/>
+          <a:ext cx="0" cy="0"/>
+          <a:chOff x="0" y="0"/>
+          <a:chExt cx="0" cy="0"/>
+        </a:xfrm>
+      </p:grpSpPr>
+      <p:sp>
+        <p:nvSpPr>
+          <p:cNvPr id="2" name="Title 1">
+            <a:extLst>
+              <a:ext uri="{FF2B5EF4-FFF2-40B4-BE49-F238E27FC236}">
+                <a16:creationId xmlns:a16="http://schemas.microsoft.com/office/drawing/2014/main" id="{144C5CE9-7C37-404F-94E1-335BC8DDFECE}"/>
+              </a:ext>
+            </a:extLst>
+          </p:cNvPr>
+          <p:cNvSpPr>
+            <a:spLocks noGrp="1"/>
+          </p:cNvSpPr>
+          <p:nvPr>
+            <p:ph type="title"/>
+          </p:nvPr>
+        </p:nvSpPr>
+        <p:spPr/>
+        <p:txBody>
+          <a:bodyPr/>
+          <a:lstStyle/>
+          <a:p>
+            <a:r>
+              <a:rPr lang="en-US" dirty="0"/>
+              <a:t>Results	</a:t>
+            </a:r>
+          </a:p>
+        </p:txBody>
+      </p:sp>
+      <p:sp>
+        <p:nvSpPr>
+          <p:cNvPr id="3" name="Content Placeholder 2">
+            <a:extLst>
+              <a:ext uri="{FF2B5EF4-FFF2-40B4-BE49-F238E27FC236}">
+                <a16:creationId xmlns:a16="http://schemas.microsoft.com/office/drawing/2014/main" id="{89BF5AA6-0CD2-43BC-A120-59CED549B3CB}"/>
+              </a:ext>
+            </a:extLst>
+          </p:cNvPr>
+          <p:cNvSpPr>
+            <a:spLocks noGrp="1"/>
+          </p:cNvSpPr>
+          <p:nvPr>
+            <p:ph idx="1"/>
+          </p:nvPr>
+        </p:nvSpPr>
+        <p:spPr/>
+        <p:txBody>
+          <a:bodyPr/>
+          <a:lstStyle/>
+          <a:p>
+            <a:endParaRPr lang="en-US"/>
+          </a:p>
+        </p:txBody>
+      </p:sp>
+    </p:spTree>
+    <p:extLst>
+      <p:ext uri="{BB962C8B-B14F-4D97-AF65-F5344CB8AC3E}">
+        <p14:creationId xmlns:p14="http://schemas.microsoft.com/office/powerpoint/2010/main" val="3501054786"/>
+      </p:ext>
+    </p:extLst>
+  </p:cSld>
+  <p:clrMapOvr>
+    <a:masterClrMapping/>
+  </p:clrMapOvr>
+</p:sld>
+</file>
+
+<file path=ppt/slides/slide9.xml><?xml version="1.0" encoding="utf-8"?>
+<p:sld xmlns:a="http://schemas.openxmlformats.org/drawingml/2006/main" xmlns:r="http://schemas.openxmlformats.org/officeDocument/2006/relationships" xmlns:p="http://schemas.openxmlformats.org/presentationml/2006/main">
+  <p:cSld>
+    <p:spTree>
+      <p:nvGrpSpPr>
+        <p:cNvPr id="1" name=""/>
+        <p:cNvGrpSpPr/>
+        <p:nvPr/>
+      </p:nvGrpSpPr>
+      <p:grpSpPr>
+        <a:xfrm>
+          <a:off x="0" y="0"/>
+          <a:ext cx="0" cy="0"/>
+          <a:chOff x="0" y="0"/>
+          <a:chExt cx="0" cy="0"/>
+        </a:xfrm>
+      </p:grpSpPr>
+      <p:sp>
+        <p:nvSpPr>
+          <p:cNvPr id="2" name="Title 1">
+            <a:extLst>
+              <a:ext uri="{FF2B5EF4-FFF2-40B4-BE49-F238E27FC236}">
+                <a16:creationId xmlns:a16="http://schemas.microsoft.com/office/drawing/2014/main" id="{11F196E2-2B7D-4C0F-86A5-4F324CD3C545}"/>
+              </a:ext>
+            </a:extLst>
+          </p:cNvPr>
+          <p:cNvSpPr>
+            <a:spLocks noGrp="1"/>
+          </p:cNvSpPr>
+          <p:nvPr>
+            <p:ph type="title"/>
+          </p:nvPr>
+        </p:nvSpPr>
+        <p:spPr/>
+        <p:txBody>
+          <a:bodyPr/>
+          <a:lstStyle/>
+          <a:p>
+            <a:r>
+              <a:rPr lang="en-US" dirty="0"/>
+              <a:t>Conclusion</a:t>
+            </a:r>
+          </a:p>
+        </p:txBody>
+      </p:sp>
+      <p:sp>
+        <p:nvSpPr>
+          <p:cNvPr id="3" name="Content Placeholder 2">
+            <a:extLst>
+              <a:ext uri="{FF2B5EF4-FFF2-40B4-BE49-F238E27FC236}">
+                <a16:creationId xmlns:a16="http://schemas.microsoft.com/office/drawing/2014/main" id="{7F91B946-5E39-4B1F-9074-3F1BD35FE13A}"/>
+              </a:ext>
+            </a:extLst>
+          </p:cNvPr>
+          <p:cNvSpPr>
+            <a:spLocks noGrp="1"/>
+          </p:cNvSpPr>
+          <p:nvPr>
+            <p:ph idx="1"/>
+          </p:nvPr>
+        </p:nvSpPr>
+        <p:spPr/>
+        <p:txBody>
+          <a:bodyPr/>
+          <a:lstStyle/>
+          <a:p>
+            <a:endParaRPr lang="en-US"/>
+          </a:p>
+        </p:txBody>
+      </p:sp>
+    </p:spTree>
+    <p:extLst>
+      <p:ext uri="{BB962C8B-B14F-4D97-AF65-F5344CB8AC3E}">
+        <p14:creationId xmlns:p14="http://schemas.microsoft.com/office/powerpoint/2010/main" val="3719162611"/>
       </p:ext>
     </p:extLst>
   </p:cSld>
